--- a/Diagrams/RepositoryStructure.pptx
+++ b/Diagrams/RepositoryStructure.pptx
@@ -104,6 +104,11 @@
       </a:defRPr>
     </a:lvl9pPr>
   </p:defaultTextStyle>
+  <p:extLst>
+    <p:ext uri="{EFAFB233-063F-42B5-8137-9DF3F51BA10A}">
+      <p15:sldGuideLst xmlns:p15="http://schemas.microsoft.com/office/powerpoint/2012/main"/>
+    </p:ext>
+  </p:extLst>
 </p:presentation>
 </file>
 
@@ -901,7 +906,7 @@
           <a:p>
             <a:fld id="{A366AC70-68A7-D34C-AA5A-808FA0DA7FDD}" type="datetimeFigureOut">
               <a:rPr lang="en-MX" smtClean="0"/>
-              <a:t>10/07/20</a:t>
+              <a:t>14/07/20</a:t>
             </a:fld>
             <a:endParaRPr lang="en-MX"/>
           </a:p>
@@ -1152,7 +1157,7 @@
           <a:p>
             <a:fld id="{A366AC70-68A7-D34C-AA5A-808FA0DA7FDD}" type="datetimeFigureOut">
               <a:rPr lang="en-MX" smtClean="0"/>
-              <a:t>10/07/20</a:t>
+              <a:t>14/07/20</a:t>
             </a:fld>
             <a:endParaRPr lang="en-MX"/>
           </a:p>
@@ -1466,7 +1471,7 @@
           <a:p>
             <a:fld id="{A366AC70-68A7-D34C-AA5A-808FA0DA7FDD}" type="datetimeFigureOut">
               <a:rPr lang="en-MX" smtClean="0"/>
-              <a:t>10/07/20</a:t>
+              <a:t>14/07/20</a:t>
             </a:fld>
             <a:endParaRPr lang="en-MX"/>
           </a:p>
@@ -1799,7 +1804,7 @@
           <a:p>
             <a:fld id="{A366AC70-68A7-D34C-AA5A-808FA0DA7FDD}" type="datetimeFigureOut">
               <a:rPr lang="en-MX" smtClean="0"/>
-              <a:t>10/07/20</a:t>
+              <a:t>14/07/20</a:t>
             </a:fld>
             <a:endParaRPr lang="en-MX"/>
           </a:p>
@@ -2113,7 +2118,7 @@
           <a:p>
             <a:fld id="{A366AC70-68A7-D34C-AA5A-808FA0DA7FDD}" type="datetimeFigureOut">
               <a:rPr lang="en-MX" smtClean="0"/>
-              <a:t>10/07/20</a:t>
+              <a:t>14/07/20</a:t>
             </a:fld>
             <a:endParaRPr lang="en-MX"/>
           </a:p>
@@ -2506,7 +2511,7 @@
           <a:p>
             <a:fld id="{A366AC70-68A7-D34C-AA5A-808FA0DA7FDD}" type="datetimeFigureOut">
               <a:rPr lang="en-MX" smtClean="0"/>
-              <a:t>10/07/20</a:t>
+              <a:t>14/07/20</a:t>
             </a:fld>
             <a:endParaRPr lang="en-MX"/>
           </a:p>
@@ -2676,7 +2681,7 @@
           <a:p>
             <a:fld id="{A366AC70-68A7-D34C-AA5A-808FA0DA7FDD}" type="datetimeFigureOut">
               <a:rPr lang="en-MX" smtClean="0"/>
-              <a:t>10/07/20</a:t>
+              <a:t>14/07/20</a:t>
             </a:fld>
             <a:endParaRPr lang="en-MX"/>
           </a:p>
@@ -2856,7 +2861,7 @@
           <a:p>
             <a:fld id="{A366AC70-68A7-D34C-AA5A-808FA0DA7FDD}" type="datetimeFigureOut">
               <a:rPr lang="en-MX" smtClean="0"/>
-              <a:t>10/07/20</a:t>
+              <a:t>14/07/20</a:t>
             </a:fld>
             <a:endParaRPr lang="en-MX"/>
           </a:p>
@@ -3026,7 +3031,7 @@
           <a:p>
             <a:fld id="{A366AC70-68A7-D34C-AA5A-808FA0DA7FDD}" type="datetimeFigureOut">
               <a:rPr lang="en-MX" smtClean="0"/>
-              <a:t>10/07/20</a:t>
+              <a:t>14/07/20</a:t>
             </a:fld>
             <a:endParaRPr lang="en-MX"/>
           </a:p>
@@ -3273,7 +3278,7 @@
           <a:p>
             <a:fld id="{A366AC70-68A7-D34C-AA5A-808FA0DA7FDD}" type="datetimeFigureOut">
               <a:rPr lang="en-MX" smtClean="0"/>
-              <a:t>10/07/20</a:t>
+              <a:t>14/07/20</a:t>
             </a:fld>
             <a:endParaRPr lang="en-MX"/>
           </a:p>
@@ -3570,7 +3575,7 @@
           <a:p>
             <a:fld id="{A366AC70-68A7-D34C-AA5A-808FA0DA7FDD}" type="datetimeFigureOut">
               <a:rPr lang="en-MX" smtClean="0"/>
-              <a:t>10/07/20</a:t>
+              <a:t>14/07/20</a:t>
             </a:fld>
             <a:endParaRPr lang="en-MX"/>
           </a:p>
@@ -3949,7 +3954,7 @@
           <a:p>
             <a:fld id="{A366AC70-68A7-D34C-AA5A-808FA0DA7FDD}" type="datetimeFigureOut">
               <a:rPr lang="en-MX" smtClean="0"/>
-              <a:t>10/07/20</a:t>
+              <a:t>14/07/20</a:t>
             </a:fld>
             <a:endParaRPr lang="en-MX"/>
           </a:p>
@@ -4072,7 +4077,7 @@
           <a:p>
             <a:fld id="{A366AC70-68A7-D34C-AA5A-808FA0DA7FDD}" type="datetimeFigureOut">
               <a:rPr lang="en-MX" smtClean="0"/>
-              <a:t>10/07/20</a:t>
+              <a:t>14/07/20</a:t>
             </a:fld>
             <a:endParaRPr lang="en-MX"/>
           </a:p>
@@ -4167,7 +4172,7 @@
           <a:p>
             <a:fld id="{A366AC70-68A7-D34C-AA5A-808FA0DA7FDD}" type="datetimeFigureOut">
               <a:rPr lang="en-MX" smtClean="0"/>
-              <a:t>10/07/20</a:t>
+              <a:t>14/07/20</a:t>
             </a:fld>
             <a:endParaRPr lang="en-MX"/>
           </a:p>
@@ -4422,7 +4427,7 @@
           <a:p>
             <a:fld id="{A366AC70-68A7-D34C-AA5A-808FA0DA7FDD}" type="datetimeFigureOut">
               <a:rPr lang="en-MX" smtClean="0"/>
-              <a:t>10/07/20</a:t>
+              <a:t>14/07/20</a:t>
             </a:fld>
             <a:endParaRPr lang="en-MX"/>
           </a:p>
@@ -4685,7 +4690,7 @@
           <a:p>
             <a:fld id="{A366AC70-68A7-D34C-AA5A-808FA0DA7FDD}" type="datetimeFigureOut">
               <a:rPr lang="en-MX" smtClean="0"/>
-              <a:t>10/07/20</a:t>
+              <a:t>14/07/20</a:t>
             </a:fld>
             <a:endParaRPr lang="en-MX"/>
           </a:p>
@@ -5499,7 +5504,7 @@
           <a:p>
             <a:fld id="{A366AC70-68A7-D34C-AA5A-808FA0DA7FDD}" type="datetimeFigureOut">
               <a:rPr lang="en-MX" smtClean="0"/>
-              <a:t>10/07/20</a:t>
+              <a:t>14/07/20</a:t>
             </a:fld>
             <a:endParaRPr lang="en-MX"/>
           </a:p>
@@ -6014,6 +6019,17 @@
 <file path=ppt/slides/slide1.xml><?xml version="1.0" encoding="utf-8"?>
 <p:sld xmlns:a="http://schemas.openxmlformats.org/drawingml/2006/main" xmlns:r="http://schemas.openxmlformats.org/officeDocument/2006/relationships" xmlns:p="http://schemas.openxmlformats.org/presentationml/2006/main">
   <p:cSld>
+    <p:bg>
+      <p:bgPr>
+        <a:solidFill>
+          <a:schemeClr val="tx1">
+            <a:lumMod val="85000"/>
+            <a:lumOff val="15000"/>
+          </a:schemeClr>
+        </a:solidFill>
+        <a:effectLst/>
+      </p:bgPr>
+    </p:bg>
     <p:spTree>
       <p:nvGrpSpPr>
         <p:cNvPr id="1" name=""/>
@@ -6030,10 +6046,10 @@
       </p:grpSpPr>
       <p:pic>
         <p:nvPicPr>
-          <p:cNvPr id="6" name="Picture 5">
+          <p:cNvPr id="3" name="Picture 2">
             <a:extLst>
               <a:ext uri="{FF2B5EF4-FFF2-40B4-BE49-F238E27FC236}">
-                <a16:creationId xmlns:a16="http://schemas.microsoft.com/office/drawing/2014/main" id="{2B8C3A36-C1DD-A44F-8CB3-0A92C0F8C752}"/>
+                <a16:creationId xmlns:a16="http://schemas.microsoft.com/office/drawing/2014/main" id="{F78BD912-D1B5-5145-A0B6-C1F5980D5902}"/>
               </a:ext>
             </a:extLst>
           </p:cNvPr>
@@ -6050,14 +6066,74 @@
         </p:blipFill>
         <p:spPr>
           <a:xfrm>
-            <a:off x="502920" y="-11430"/>
-            <a:ext cx="4446270" cy="6869430"/>
+            <a:off x="594360" y="565150"/>
+            <a:ext cx="3200400" cy="5727700"/>
           </a:xfrm>
           <a:prstGeom prst="rect">
             <a:avLst/>
           </a:prstGeom>
         </p:spPr>
       </p:pic>
+      <p:sp>
+        <p:nvSpPr>
+          <p:cNvPr id="4" name="TextBox 3">
+            <a:extLst>
+              <a:ext uri="{FF2B5EF4-FFF2-40B4-BE49-F238E27FC236}">
+                <a16:creationId xmlns:a16="http://schemas.microsoft.com/office/drawing/2014/main" id="{1BD5A892-28F6-1A43-924B-78BE9236678F}"/>
+              </a:ext>
+            </a:extLst>
+          </p:cNvPr>
+          <p:cNvSpPr txBox="1"/>
+          <p:nvPr/>
+        </p:nvSpPr>
+        <p:spPr>
+          <a:xfrm>
+            <a:off x="594360" y="102870"/>
+            <a:ext cx="2300886" cy="369332"/>
+          </a:xfrm>
+          <a:prstGeom prst="rect">
+            <a:avLst/>
+          </a:prstGeom>
+          <a:noFill/>
+        </p:spPr>
+        <p:txBody>
+          <a:bodyPr wrap="none" rtlCol="0">
+            <a:spAutoFit/>
+          </a:bodyPr>
+          <a:lstStyle/>
+          <a:p>
+            <a:r>
+              <a:rPr lang="es-ES_tradnl" dirty="0" err="1">
+                <a:solidFill>
+                  <a:schemeClr val="bg1"/>
+                </a:solidFill>
+              </a:rPr>
+              <a:t>Repository</a:t>
+            </a:r>
+            <a:r>
+              <a:rPr lang="es-ES_tradnl" dirty="0">
+                <a:solidFill>
+                  <a:schemeClr val="bg1"/>
+                </a:solidFill>
+              </a:rPr>
+              <a:t> </a:t>
+            </a:r>
+            <a:r>
+              <a:rPr lang="es-ES_tradnl" dirty="0" err="1">
+                <a:solidFill>
+                  <a:schemeClr val="bg1"/>
+                </a:solidFill>
+              </a:rPr>
+              <a:t>Structure</a:t>
+            </a:r>
+            <a:endParaRPr lang="es-ES_tradnl" dirty="0">
+              <a:solidFill>
+                <a:schemeClr val="bg1"/>
+              </a:solidFill>
+            </a:endParaRPr>
+          </a:p>
+        </p:txBody>
+      </p:sp>
     </p:spTree>
     <p:extLst>
       <p:ext uri="{BB962C8B-B14F-4D97-AF65-F5344CB8AC3E}">
